--- a/0090_ber/rtl/schematic/pll_ctrl.pptx
+++ b/0090_ber/rtl/schematic/pll_ctrl.pptx
@@ -197,7 +197,7 @@
           <a:p>
             <a:fld id="{B9E5BF02-4A65-43B2-AA51-912306618617}" type="datetimeFigureOut">
               <a:rPr lang="en-US" smtClean="0"/>
-              <a:t>10/6/2017</a:t>
+              <a:t>10/10/2017</a:t>
             </a:fld>
             <a:endParaRPr lang="en-US"/>
           </a:p>
@@ -685,7 +685,7 @@
           <a:p>
             <a:fld id="{F8F920B2-3E99-4C9D-9450-62A3DEC5476B}" type="datetimeFigureOut">
               <a:rPr lang="en-US" smtClean="0"/>
-              <a:t>10/6/2017</a:t>
+              <a:t>10/10/2017</a:t>
             </a:fld>
             <a:endParaRPr lang="en-US"/>
           </a:p>
@@ -855,7 +855,7 @@
           <a:p>
             <a:fld id="{F8F920B2-3E99-4C9D-9450-62A3DEC5476B}" type="datetimeFigureOut">
               <a:rPr lang="en-US" smtClean="0"/>
-              <a:t>10/6/2017</a:t>
+              <a:t>10/10/2017</a:t>
             </a:fld>
             <a:endParaRPr lang="en-US"/>
           </a:p>
@@ -1035,7 +1035,7 @@
           <a:p>
             <a:fld id="{F8F920B2-3E99-4C9D-9450-62A3DEC5476B}" type="datetimeFigureOut">
               <a:rPr lang="en-US" smtClean="0"/>
-              <a:t>10/6/2017</a:t>
+              <a:t>10/10/2017</a:t>
             </a:fld>
             <a:endParaRPr lang="en-US"/>
           </a:p>
@@ -1205,7 +1205,7 @@
           <a:p>
             <a:fld id="{F8F920B2-3E99-4C9D-9450-62A3DEC5476B}" type="datetimeFigureOut">
               <a:rPr lang="en-US" smtClean="0"/>
-              <a:t>10/6/2017</a:t>
+              <a:t>10/10/2017</a:t>
             </a:fld>
             <a:endParaRPr lang="en-US"/>
           </a:p>
@@ -1449,7 +1449,7 @@
           <a:p>
             <a:fld id="{F8F920B2-3E99-4C9D-9450-62A3DEC5476B}" type="datetimeFigureOut">
               <a:rPr lang="en-US" smtClean="0"/>
-              <a:t>10/6/2017</a:t>
+              <a:t>10/10/2017</a:t>
             </a:fld>
             <a:endParaRPr lang="en-US"/>
           </a:p>
@@ -1681,7 +1681,7 @@
           <a:p>
             <a:fld id="{F8F920B2-3E99-4C9D-9450-62A3DEC5476B}" type="datetimeFigureOut">
               <a:rPr lang="en-US" smtClean="0"/>
-              <a:t>10/6/2017</a:t>
+              <a:t>10/10/2017</a:t>
             </a:fld>
             <a:endParaRPr lang="en-US"/>
           </a:p>
@@ -2048,7 +2048,7 @@
           <a:p>
             <a:fld id="{F8F920B2-3E99-4C9D-9450-62A3DEC5476B}" type="datetimeFigureOut">
               <a:rPr lang="en-US" smtClean="0"/>
-              <a:t>10/6/2017</a:t>
+              <a:t>10/10/2017</a:t>
             </a:fld>
             <a:endParaRPr lang="en-US"/>
           </a:p>
@@ -2166,7 +2166,7 @@
           <a:p>
             <a:fld id="{F8F920B2-3E99-4C9D-9450-62A3DEC5476B}" type="datetimeFigureOut">
               <a:rPr lang="en-US" smtClean="0"/>
-              <a:t>10/6/2017</a:t>
+              <a:t>10/10/2017</a:t>
             </a:fld>
             <a:endParaRPr lang="en-US"/>
           </a:p>
@@ -2261,7 +2261,7 @@
           <a:p>
             <a:fld id="{F8F920B2-3E99-4C9D-9450-62A3DEC5476B}" type="datetimeFigureOut">
               <a:rPr lang="en-US" smtClean="0"/>
-              <a:t>10/6/2017</a:t>
+              <a:t>10/10/2017</a:t>
             </a:fld>
             <a:endParaRPr lang="en-US"/>
           </a:p>
@@ -2538,7 +2538,7 @@
           <a:p>
             <a:fld id="{F8F920B2-3E99-4C9D-9450-62A3DEC5476B}" type="datetimeFigureOut">
               <a:rPr lang="en-US" smtClean="0"/>
-              <a:t>10/6/2017</a:t>
+              <a:t>10/10/2017</a:t>
             </a:fld>
             <a:endParaRPr lang="en-US"/>
           </a:p>
@@ -2795,7 +2795,7 @@
           <a:p>
             <a:fld id="{F8F920B2-3E99-4C9D-9450-62A3DEC5476B}" type="datetimeFigureOut">
               <a:rPr lang="en-US" smtClean="0"/>
-              <a:t>10/6/2017</a:t>
+              <a:t>10/10/2017</a:t>
             </a:fld>
             <a:endParaRPr lang="en-US"/>
           </a:p>
@@ -3008,7 +3008,7 @@
           <a:p>
             <a:fld id="{F8F920B2-3E99-4C9D-9450-62A3DEC5476B}" type="datetimeFigureOut">
               <a:rPr lang="en-US" smtClean="0"/>
-              <a:t>10/6/2017</a:t>
+              <a:t>10/10/2017</a:t>
             </a:fld>
             <a:endParaRPr lang="en-US"/>
           </a:p>
@@ -9318,13 +9318,6 @@
               </a:rPr>
               <a:t>4</a:t>
             </a:r>
-            <a:endParaRPr lang="en-US" sz="900" dirty="0">
-              <a:solidFill>
-                <a:srgbClr val="000000"/>
-              </a:solidFill>
-              <a:latin typeface="Courier New" panose="02070309020205020404" pitchFamily="49" charset="0"/>
-              <a:cs typeface="Courier New" panose="02070309020205020404" pitchFamily="49" charset="0"/>
-            </a:endParaRPr>
           </a:p>
         </p:txBody>
       </p:sp>
@@ -9467,13 +9460,6 @@
               </a:rPr>
               <a:t>PLL_ADDR</a:t>
             </a:r>
-            <a:endParaRPr lang="en-US" sz="900" dirty="0">
-              <a:solidFill>
-                <a:srgbClr val="000000"/>
-              </a:solidFill>
-              <a:latin typeface="Courier New" panose="02070309020205020404" pitchFamily="49" charset="0"/>
-              <a:cs typeface="Courier New" panose="02070309020205020404" pitchFamily="49" charset="0"/>
-            </a:endParaRPr>
           </a:p>
         </p:txBody>
       </p:sp>
@@ -9526,13 +9512,6 @@
               </a:rPr>
               <a:t>PLL_CHG</a:t>
             </a:r>
-            <a:endParaRPr lang="en-US" sz="900" dirty="0">
-              <a:solidFill>
-                <a:srgbClr val="000000"/>
-              </a:solidFill>
-              <a:latin typeface="Courier New" panose="02070309020205020404" pitchFamily="49" charset="0"/>
-              <a:cs typeface="Courier New" panose="02070309020205020404" pitchFamily="49" charset="0"/>
-            </a:endParaRPr>
           </a:p>
         </p:txBody>
       </p:sp>
@@ -11081,13 +11060,6 @@
               </a:rPr>
               <a:t>rstxs_p1</a:t>
             </a:r>
-            <a:endParaRPr lang="en-US" sz="900" dirty="0">
-              <a:solidFill>
-                <a:srgbClr val="000000"/>
-              </a:solidFill>
-              <a:latin typeface="Courier New" panose="02070309020205020404" pitchFamily="49" charset="0"/>
-              <a:cs typeface="Courier New" panose="02070309020205020404" pitchFamily="49" charset="0"/>
-            </a:endParaRPr>
           </a:p>
         </p:txBody>
       </p:sp>
@@ -11230,13 +11202,6 @@
               </a:rPr>
               <a:t>RSTXS</a:t>
             </a:r>
-            <a:endParaRPr lang="en-US" sz="900" dirty="0">
-              <a:solidFill>
-                <a:srgbClr val="000000"/>
-              </a:solidFill>
-              <a:latin typeface="Courier New" panose="02070309020205020404" pitchFamily="49" charset="0"/>
-              <a:cs typeface="Courier New" panose="02070309020205020404" pitchFamily="49" charset="0"/>
-            </a:endParaRPr>
           </a:p>
         </p:txBody>
       </p:sp>
@@ -13998,13 +13963,6 @@
               </a:rPr>
               <a:t>CLKS</a:t>
             </a:r>
-            <a:endParaRPr lang="en-US" sz="900" dirty="0">
-              <a:solidFill>
-                <a:srgbClr val="000000"/>
-              </a:solidFill>
-              <a:latin typeface="Courier New" panose="02070309020205020404" pitchFamily="49" charset="0"/>
-              <a:cs typeface="Courier New" panose="02070309020205020404" pitchFamily="49" charset="0"/>
-            </a:endParaRPr>
           </a:p>
         </p:txBody>
       </p:sp>
@@ -20675,13 +20633,6 @@
               </a:rPr>
               <a:t>RSTXF</a:t>
             </a:r>
-            <a:endParaRPr lang="en-US" sz="900" dirty="0">
-              <a:solidFill>
-                <a:srgbClr val="000000"/>
-              </a:solidFill>
-              <a:latin typeface="Courier New" panose="02070309020205020404" pitchFamily="49" charset="0"/>
-              <a:cs typeface="Courier New" panose="02070309020205020404" pitchFamily="49" charset="0"/>
-            </a:endParaRPr>
           </a:p>
         </p:txBody>
       </p:sp>
@@ -21735,13 +21686,6 @@
               </a:rPr>
               <a:t>CLKF</a:t>
             </a:r>
-            <a:endParaRPr lang="en-US" sz="900" dirty="0">
-              <a:solidFill>
-                <a:srgbClr val="000000"/>
-              </a:solidFill>
-              <a:latin typeface="Courier New" panose="02070309020205020404" pitchFamily="49" charset="0"/>
-              <a:cs typeface="Courier New" panose="02070309020205020404" pitchFamily="49" charset="0"/>
-            </a:endParaRPr>
           </a:p>
         </p:txBody>
       </p:sp>
@@ -21972,13 +21916,6 @@
               </a:rPr>
               <a:t>CLKS</a:t>
             </a:r>
-            <a:endParaRPr lang="en-US" sz="900" dirty="0">
-              <a:solidFill>
-                <a:srgbClr val="000000"/>
-              </a:solidFill>
-              <a:latin typeface="Courier New" panose="02070309020205020404" pitchFamily="49" charset="0"/>
-              <a:cs typeface="Courier New" panose="02070309020205020404" pitchFamily="49" charset="0"/>
-            </a:endParaRPr>
           </a:p>
         </p:txBody>
       </p:sp>
@@ -22321,25 +22258,8 @@
                 <a:latin typeface="Courier New" panose="02070309020205020404" pitchFamily="49" charset="0"/>
                 <a:cs typeface="Courier New" panose="02070309020205020404" pitchFamily="49" charset="0"/>
               </a:rPr>
-              <a:t>#( .</a:t>
+              <a:t>#( .CBW(4)</a:t>
             </a:r>
-            <a:r>
-              <a:rPr lang="en-US" sz="900" dirty="0">
-                <a:solidFill>
-                  <a:srgbClr val="000000"/>
-                </a:solidFill>
-                <a:latin typeface="Courier New" panose="02070309020205020404" pitchFamily="49" charset="0"/>
-                <a:cs typeface="Courier New" panose="02070309020205020404" pitchFamily="49" charset="0"/>
-              </a:rPr>
-              <a:t>CBW(4)</a:t>
-            </a:r>
-            <a:endParaRPr lang="en-US" sz="900" dirty="0">
-              <a:solidFill>
-                <a:srgbClr val="000000"/>
-              </a:solidFill>
-              <a:latin typeface="Courier New" panose="02070309020205020404" pitchFamily="49" charset="0"/>
-              <a:cs typeface="Courier New" panose="02070309020205020404" pitchFamily="49" charset="0"/>
-            </a:endParaRPr>
           </a:p>
           <a:p>
             <a:r>
@@ -22487,7 +22407,7 @@
         </p:nvSpPr>
         <p:spPr>
           <a:xfrm>
-            <a:off x="4876800" y="9448800"/>
+            <a:off x="4876800" y="9677400"/>
             <a:ext cx="457200" cy="152400"/>
           </a:xfrm>
           <a:prstGeom prst="rect">
@@ -22539,7 +22459,7 @@
         </p:nvSpPr>
         <p:spPr>
           <a:xfrm>
-            <a:off x="4876800" y="9753600"/>
+            <a:off x="4876800" y="9448800"/>
             <a:ext cx="457200" cy="152400"/>
           </a:xfrm>
           <a:prstGeom prst="rect">
@@ -22591,7 +22511,7 @@
         </p:nvCxnSpPr>
         <p:spPr>
           <a:xfrm>
-            <a:off x="4876800" y="9525000"/>
+            <a:off x="4876800" y="9753600"/>
             <a:ext cx="76200" cy="76200"/>
           </a:xfrm>
           <a:prstGeom prst="line">
@@ -22626,7 +22546,7 @@
         </p:nvCxnSpPr>
         <p:spPr>
           <a:xfrm flipH="1">
-            <a:off x="4876800" y="9601200"/>
+            <a:off x="4876800" y="9829800"/>
             <a:ext cx="76200" cy="76200"/>
           </a:xfrm>
           <a:prstGeom prst="line">
@@ -22661,7 +22581,7 @@
         </p:nvCxnSpPr>
         <p:spPr>
           <a:xfrm>
-            <a:off x="4572000" y="9829800"/>
+            <a:off x="4572000" y="9525000"/>
             <a:ext cx="304800" cy="0"/>
           </a:xfrm>
           <a:prstGeom prst="line">
@@ -22698,7 +22618,7 @@
         </p:nvSpPr>
         <p:spPr>
           <a:xfrm>
-            <a:off x="4267200" y="9677400"/>
+            <a:off x="4267200" y="9372600"/>
             <a:ext cx="457200" cy="152400"/>
           </a:xfrm>
           <a:prstGeom prst="rect">
@@ -22782,15 +22702,22 @@
           <a:lstStyle/>
           <a:p>
             <a:r>
-              <a:rPr lang="en-US" sz="900" dirty="0">
+              <a:rPr lang="en-US" sz="900" smtClean="0">
                 <a:solidFill>
                   <a:srgbClr val="000000"/>
                 </a:solidFill>
                 <a:latin typeface="Courier New" panose="02070309020205020404" pitchFamily="49" charset="0"/>
                 <a:cs typeface="Courier New" panose="02070309020205020404" pitchFamily="49" charset="0"/>
               </a:rPr>
-              <a:t>rstxi_d2</a:t>
+              <a:t>rstx_d2</a:t>
             </a:r>
+            <a:endParaRPr lang="en-US" sz="900" dirty="0">
+              <a:solidFill>
+                <a:srgbClr val="000000"/>
+              </a:solidFill>
+              <a:latin typeface="Courier New" panose="02070309020205020404" pitchFamily="49" charset="0"/>
+              <a:cs typeface="Courier New" panose="02070309020205020404" pitchFamily="49" charset="0"/>
+            </a:endParaRPr>
           </a:p>
         </p:txBody>
       </p:sp>
@@ -23010,6 +22937,80 @@
           </a:p>
         </p:txBody>
       </p:sp>
+      <p:cxnSp>
+        <p:nvCxnSpPr>
+          <p:cNvPr id="447" name="Straight Connector 446"/>
+          <p:cNvCxnSpPr/>
+          <p:nvPr/>
+        </p:nvCxnSpPr>
+        <p:spPr>
+          <a:xfrm>
+            <a:off x="4572000" y="9829800"/>
+            <a:ext cx="304800" cy="0"/>
+          </a:xfrm>
+          <a:prstGeom prst="line">
+            <a:avLst/>
+          </a:prstGeom>
+          <a:ln w="12700">
+            <a:solidFill>
+              <a:srgbClr val="000000"/>
+            </a:solidFill>
+            <a:headEnd type="none" w="med" len="med"/>
+            <a:tailEnd type="none" w="med" len="med"/>
+          </a:ln>
+        </p:spPr>
+        <p:style>
+          <a:lnRef idx="1">
+            <a:schemeClr val="accent1"/>
+          </a:lnRef>
+          <a:fillRef idx="0">
+            <a:schemeClr val="accent1"/>
+          </a:fillRef>
+          <a:effectRef idx="0">
+            <a:schemeClr val="accent1"/>
+          </a:effectRef>
+          <a:fontRef idx="minor">
+            <a:schemeClr val="tx1"/>
+          </a:fontRef>
+        </p:style>
+      </p:cxnSp>
+      <p:cxnSp>
+        <p:nvCxnSpPr>
+          <p:cNvPr id="448" name="Straight Connector 447"/>
+          <p:cNvCxnSpPr/>
+          <p:nvPr/>
+        </p:nvCxnSpPr>
+        <p:spPr>
+          <a:xfrm flipV="1">
+            <a:off x="4572000" y="9829800"/>
+            <a:ext cx="0" cy="457194"/>
+          </a:xfrm>
+          <a:prstGeom prst="line">
+            <a:avLst/>
+          </a:prstGeom>
+          <a:ln w="12700">
+            <a:solidFill>
+              <a:srgbClr val="000000"/>
+            </a:solidFill>
+            <a:headEnd type="oval" w="med" len="med"/>
+            <a:tailEnd type="none" w="med" len="med"/>
+          </a:ln>
+        </p:spPr>
+        <p:style>
+          <a:lnRef idx="1">
+            <a:schemeClr val="accent1"/>
+          </a:lnRef>
+          <a:fillRef idx="0">
+            <a:schemeClr val="accent1"/>
+          </a:fillRef>
+          <a:effectRef idx="0">
+            <a:schemeClr val="accent1"/>
+          </a:effectRef>
+          <a:fontRef idx="minor">
+            <a:schemeClr val="tx1"/>
+          </a:fontRef>
+        </p:style>
+      </p:cxnSp>
     </p:spTree>
     <p:extLst>
       <p:ext uri="{BB962C8B-B14F-4D97-AF65-F5344CB8AC3E}">

--- a/0090_ber/rtl/schematic/pll_ctrl.pptx
+++ b/0090_ber/rtl/schematic/pll_ctrl.pptx
@@ -197,7 +197,7 @@
           <a:p>
             <a:fld id="{B9E5BF02-4A65-43B2-AA51-912306618617}" type="datetimeFigureOut">
               <a:rPr lang="en-US" smtClean="0"/>
-              <a:t>10/10/2017</a:t>
+              <a:t>10/25/2017</a:t>
             </a:fld>
             <a:endParaRPr lang="en-US"/>
           </a:p>
@@ -685,7 +685,7 @@
           <a:p>
             <a:fld id="{F8F920B2-3E99-4C9D-9450-62A3DEC5476B}" type="datetimeFigureOut">
               <a:rPr lang="en-US" smtClean="0"/>
-              <a:t>10/10/2017</a:t>
+              <a:t>10/25/2017</a:t>
             </a:fld>
             <a:endParaRPr lang="en-US"/>
           </a:p>
@@ -855,7 +855,7 @@
           <a:p>
             <a:fld id="{F8F920B2-3E99-4C9D-9450-62A3DEC5476B}" type="datetimeFigureOut">
               <a:rPr lang="en-US" smtClean="0"/>
-              <a:t>10/10/2017</a:t>
+              <a:t>10/25/2017</a:t>
             </a:fld>
             <a:endParaRPr lang="en-US"/>
           </a:p>
@@ -1035,7 +1035,7 @@
           <a:p>
             <a:fld id="{F8F920B2-3E99-4C9D-9450-62A3DEC5476B}" type="datetimeFigureOut">
               <a:rPr lang="en-US" smtClean="0"/>
-              <a:t>10/10/2017</a:t>
+              <a:t>10/25/2017</a:t>
             </a:fld>
             <a:endParaRPr lang="en-US"/>
           </a:p>
@@ -1205,7 +1205,7 @@
           <a:p>
             <a:fld id="{F8F920B2-3E99-4C9D-9450-62A3DEC5476B}" type="datetimeFigureOut">
               <a:rPr lang="en-US" smtClean="0"/>
-              <a:t>10/10/2017</a:t>
+              <a:t>10/25/2017</a:t>
             </a:fld>
             <a:endParaRPr lang="en-US"/>
           </a:p>
@@ -1449,7 +1449,7 @@
           <a:p>
             <a:fld id="{F8F920B2-3E99-4C9D-9450-62A3DEC5476B}" type="datetimeFigureOut">
               <a:rPr lang="en-US" smtClean="0"/>
-              <a:t>10/10/2017</a:t>
+              <a:t>10/25/2017</a:t>
             </a:fld>
             <a:endParaRPr lang="en-US"/>
           </a:p>
@@ -1681,7 +1681,7 @@
           <a:p>
             <a:fld id="{F8F920B2-3E99-4C9D-9450-62A3DEC5476B}" type="datetimeFigureOut">
               <a:rPr lang="en-US" smtClean="0"/>
-              <a:t>10/10/2017</a:t>
+              <a:t>10/25/2017</a:t>
             </a:fld>
             <a:endParaRPr lang="en-US"/>
           </a:p>
@@ -2048,7 +2048,7 @@
           <a:p>
             <a:fld id="{F8F920B2-3E99-4C9D-9450-62A3DEC5476B}" type="datetimeFigureOut">
               <a:rPr lang="en-US" smtClean="0"/>
-              <a:t>10/10/2017</a:t>
+              <a:t>10/25/2017</a:t>
             </a:fld>
             <a:endParaRPr lang="en-US"/>
           </a:p>
@@ -2166,7 +2166,7 @@
           <a:p>
             <a:fld id="{F8F920B2-3E99-4C9D-9450-62A3DEC5476B}" type="datetimeFigureOut">
               <a:rPr lang="en-US" smtClean="0"/>
-              <a:t>10/10/2017</a:t>
+              <a:t>10/25/2017</a:t>
             </a:fld>
             <a:endParaRPr lang="en-US"/>
           </a:p>
@@ -2261,7 +2261,7 @@
           <a:p>
             <a:fld id="{F8F920B2-3E99-4C9D-9450-62A3DEC5476B}" type="datetimeFigureOut">
               <a:rPr lang="en-US" smtClean="0"/>
-              <a:t>10/10/2017</a:t>
+              <a:t>10/25/2017</a:t>
             </a:fld>
             <a:endParaRPr lang="en-US"/>
           </a:p>
@@ -2538,7 +2538,7 @@
           <a:p>
             <a:fld id="{F8F920B2-3E99-4C9D-9450-62A3DEC5476B}" type="datetimeFigureOut">
               <a:rPr lang="en-US" smtClean="0"/>
-              <a:t>10/10/2017</a:t>
+              <a:t>10/25/2017</a:t>
             </a:fld>
             <a:endParaRPr lang="en-US"/>
           </a:p>
@@ -2795,7 +2795,7 @@
           <a:p>
             <a:fld id="{F8F920B2-3E99-4C9D-9450-62A3DEC5476B}" type="datetimeFigureOut">
               <a:rPr lang="en-US" smtClean="0"/>
-              <a:t>10/10/2017</a:t>
+              <a:t>10/25/2017</a:t>
             </a:fld>
             <a:endParaRPr lang="en-US"/>
           </a:p>
@@ -3008,7 +3008,7 @@
           <a:p>
             <a:fld id="{F8F920B2-3E99-4C9D-9450-62A3DEC5476B}" type="datetimeFigureOut">
               <a:rPr lang="en-US" smtClean="0"/>
-              <a:t>10/10/2017</a:t>
+              <a:t>10/25/2017</a:t>
             </a:fld>
             <a:endParaRPr lang="en-US"/>
           </a:p>
@@ -9309,15 +9309,22 @@
           <a:p>
             <a:pPr algn="ctr"/>
             <a:r>
-              <a:rPr lang="en-US" sz="900" dirty="0">
+              <a:rPr lang="en-US" sz="900" dirty="0" smtClean="0">
                 <a:solidFill>
                   <a:srgbClr val="000000"/>
                 </a:solidFill>
                 <a:latin typeface="Courier New" panose="02070309020205020404" pitchFamily="49" charset="0"/>
                 <a:cs typeface="Courier New" panose="02070309020205020404" pitchFamily="49" charset="0"/>
               </a:rPr>
-              <a:t>4</a:t>
+              <a:t>8</a:t>
             </a:r>
+            <a:endParaRPr lang="en-US" sz="900" dirty="0">
+              <a:solidFill>
+                <a:srgbClr val="000000"/>
+              </a:solidFill>
+              <a:latin typeface="Courier New" panose="02070309020205020404" pitchFamily="49" charset="0"/>
+              <a:cs typeface="Courier New" panose="02070309020205020404" pitchFamily="49" charset="0"/>
+            </a:endParaRPr>
           </a:p>
         </p:txBody>
       </p:sp>
